--- a/4NN.pptx
+++ b/4NN.pptx
@@ -31293,15 +31293,7 @@
                   <a:schemeClr val="accent6"/>
                 </a:solidFill>
               </a:rPr>
-              <a:t>Score: </a:t>
-            </a:r>
-            <a:r>
-              <a:rPr lang="en-US" sz="2000" dirty="0" smtClean="0">
-                <a:solidFill>
-                  <a:schemeClr val="accent6"/>
-                </a:solidFill>
-              </a:rPr>
-              <a:t>(?)</a:t>
+              <a:t>Score: (?)</a:t>
             </a:r>
             <a:endParaRPr lang="ru-RU" sz="2000" dirty="0">
               <a:solidFill>
